--- a/Gestion d’accès au batiment.pptx
+++ b/Gestion d’accès au batiment.pptx
@@ -7,6 +7,10 @@
   <p:sldIdLst>
     <p:sldId id="256" r:id="rId2"/>
     <p:sldId id="257" r:id="rId3"/>
+    <p:sldId id="258" r:id="rId4"/>
+    <p:sldId id="259" r:id="rId5"/>
+    <p:sldId id="260" r:id="rId6"/>
+    <p:sldId id="261" r:id="rId7"/>
   </p:sldIdLst>
   <p:sldSz cx="12192000" cy="6858000"/>
   <p:notesSz cx="6858000" cy="9144000"/>
@@ -257,7 +261,7 @@
               <a:rPr lang="fr-FR" smtClean="0"/>
               <a:t>11/03/2022</a:t>
             </a:fld>
-            <a:endParaRPr lang="fr-FR"/>
+            <a:endParaRPr lang="fr-FR" dirty="0"/>
           </a:p>
         </p:txBody>
       </p:sp>
@@ -282,7 +286,7 @@
           <a:bodyPr/>
           <a:lstStyle/>
           <a:p>
-            <a:endParaRPr lang="fr-FR"/>
+            <a:endParaRPr lang="fr-FR" dirty="0"/>
           </a:p>
         </p:txBody>
       </p:sp>
@@ -311,7 +315,7 @@
               <a:rPr lang="fr-FR" smtClean="0"/>
               <a:t>‹N°›</a:t>
             </a:fld>
-            <a:endParaRPr lang="fr-FR"/>
+            <a:endParaRPr lang="fr-FR" dirty="0"/>
           </a:p>
         </p:txBody>
       </p:sp>
@@ -455,7 +459,7 @@
               <a:rPr lang="fr-FR" smtClean="0"/>
               <a:t>11/03/2022</a:t>
             </a:fld>
-            <a:endParaRPr lang="fr-FR"/>
+            <a:endParaRPr lang="fr-FR" dirty="0"/>
           </a:p>
         </p:txBody>
       </p:sp>
@@ -480,7 +484,7 @@
           <a:bodyPr/>
           <a:lstStyle/>
           <a:p>
-            <a:endParaRPr lang="fr-FR"/>
+            <a:endParaRPr lang="fr-FR" dirty="0"/>
           </a:p>
         </p:txBody>
       </p:sp>
@@ -509,7 +513,7 @@
               <a:rPr lang="fr-FR" smtClean="0"/>
               <a:t>‹N°›</a:t>
             </a:fld>
-            <a:endParaRPr lang="fr-FR"/>
+            <a:endParaRPr lang="fr-FR" dirty="0"/>
           </a:p>
         </p:txBody>
       </p:sp>
@@ -663,7 +667,7 @@
               <a:rPr lang="fr-FR" smtClean="0"/>
               <a:t>11/03/2022</a:t>
             </a:fld>
-            <a:endParaRPr lang="fr-FR"/>
+            <a:endParaRPr lang="fr-FR" dirty="0"/>
           </a:p>
         </p:txBody>
       </p:sp>
@@ -688,7 +692,7 @@
           <a:bodyPr/>
           <a:lstStyle/>
           <a:p>
-            <a:endParaRPr lang="fr-FR"/>
+            <a:endParaRPr lang="fr-FR" dirty="0"/>
           </a:p>
         </p:txBody>
       </p:sp>
@@ -717,7 +721,7 @@
               <a:rPr lang="fr-FR" smtClean="0"/>
               <a:t>‹N°›</a:t>
             </a:fld>
-            <a:endParaRPr lang="fr-FR"/>
+            <a:endParaRPr lang="fr-FR" dirty="0"/>
           </a:p>
         </p:txBody>
       </p:sp>
@@ -861,7 +865,7 @@
               <a:rPr lang="fr-FR" smtClean="0"/>
               <a:t>11/03/2022</a:t>
             </a:fld>
-            <a:endParaRPr lang="fr-FR"/>
+            <a:endParaRPr lang="fr-FR" dirty="0"/>
           </a:p>
         </p:txBody>
       </p:sp>
@@ -886,7 +890,7 @@
           <a:bodyPr/>
           <a:lstStyle/>
           <a:p>
-            <a:endParaRPr lang="fr-FR"/>
+            <a:endParaRPr lang="fr-FR" dirty="0"/>
           </a:p>
         </p:txBody>
       </p:sp>
@@ -915,7 +919,7 @@
               <a:rPr lang="fr-FR" smtClean="0"/>
               <a:t>‹N°›</a:t>
             </a:fld>
-            <a:endParaRPr lang="fr-FR"/>
+            <a:endParaRPr lang="fr-FR" dirty="0"/>
           </a:p>
         </p:txBody>
       </p:sp>
@@ -1136,7 +1140,7 @@
               <a:rPr lang="fr-FR" smtClean="0"/>
               <a:t>11/03/2022</a:t>
             </a:fld>
-            <a:endParaRPr lang="fr-FR"/>
+            <a:endParaRPr lang="fr-FR" dirty="0"/>
           </a:p>
         </p:txBody>
       </p:sp>
@@ -1161,7 +1165,7 @@
           <a:bodyPr/>
           <a:lstStyle/>
           <a:p>
-            <a:endParaRPr lang="fr-FR"/>
+            <a:endParaRPr lang="fr-FR" dirty="0"/>
           </a:p>
         </p:txBody>
       </p:sp>
@@ -1190,7 +1194,7 @@
               <a:rPr lang="fr-FR" smtClean="0"/>
               <a:t>‹N°›</a:t>
             </a:fld>
-            <a:endParaRPr lang="fr-FR"/>
+            <a:endParaRPr lang="fr-FR" dirty="0"/>
           </a:p>
         </p:txBody>
       </p:sp>
@@ -1401,7 +1405,7 @@
               <a:rPr lang="fr-FR" smtClean="0"/>
               <a:t>11/03/2022</a:t>
             </a:fld>
-            <a:endParaRPr lang="fr-FR"/>
+            <a:endParaRPr lang="fr-FR" dirty="0"/>
           </a:p>
         </p:txBody>
       </p:sp>
@@ -1426,7 +1430,7 @@
           <a:bodyPr/>
           <a:lstStyle/>
           <a:p>
-            <a:endParaRPr lang="fr-FR"/>
+            <a:endParaRPr lang="fr-FR" dirty="0"/>
           </a:p>
         </p:txBody>
       </p:sp>
@@ -1455,7 +1459,7 @@
               <a:rPr lang="fr-FR" smtClean="0"/>
               <a:t>‹N°›</a:t>
             </a:fld>
-            <a:endParaRPr lang="fr-FR"/>
+            <a:endParaRPr lang="fr-FR" dirty="0"/>
           </a:p>
         </p:txBody>
       </p:sp>
@@ -1813,7 +1817,7 @@
               <a:rPr lang="fr-FR" smtClean="0"/>
               <a:t>11/03/2022</a:t>
             </a:fld>
-            <a:endParaRPr lang="fr-FR"/>
+            <a:endParaRPr lang="fr-FR" dirty="0"/>
           </a:p>
         </p:txBody>
       </p:sp>
@@ -1838,7 +1842,7 @@
           <a:bodyPr/>
           <a:lstStyle/>
           <a:p>
-            <a:endParaRPr lang="fr-FR"/>
+            <a:endParaRPr lang="fr-FR" dirty="0"/>
           </a:p>
         </p:txBody>
       </p:sp>
@@ -1867,7 +1871,7 @@
               <a:rPr lang="fr-FR" smtClean="0"/>
               <a:t>‹N°›</a:t>
             </a:fld>
-            <a:endParaRPr lang="fr-FR"/>
+            <a:endParaRPr lang="fr-FR" dirty="0"/>
           </a:p>
         </p:txBody>
       </p:sp>
@@ -1954,7 +1958,7 @@
               <a:rPr lang="fr-FR" smtClean="0"/>
               <a:t>11/03/2022</a:t>
             </a:fld>
-            <a:endParaRPr lang="fr-FR"/>
+            <a:endParaRPr lang="fr-FR" dirty="0"/>
           </a:p>
         </p:txBody>
       </p:sp>
@@ -1979,7 +1983,7 @@
           <a:bodyPr/>
           <a:lstStyle/>
           <a:p>
-            <a:endParaRPr lang="fr-FR"/>
+            <a:endParaRPr lang="fr-FR" dirty="0"/>
           </a:p>
         </p:txBody>
       </p:sp>
@@ -2008,7 +2012,7 @@
               <a:rPr lang="fr-FR" smtClean="0"/>
               <a:t>‹N°›</a:t>
             </a:fld>
-            <a:endParaRPr lang="fr-FR"/>
+            <a:endParaRPr lang="fr-FR" dirty="0"/>
           </a:p>
         </p:txBody>
       </p:sp>
@@ -2067,7 +2071,7 @@
               <a:rPr lang="fr-FR" smtClean="0"/>
               <a:t>11/03/2022</a:t>
             </a:fld>
-            <a:endParaRPr lang="fr-FR"/>
+            <a:endParaRPr lang="fr-FR" dirty="0"/>
           </a:p>
         </p:txBody>
       </p:sp>
@@ -2092,7 +2096,7 @@
           <a:bodyPr/>
           <a:lstStyle/>
           <a:p>
-            <a:endParaRPr lang="fr-FR"/>
+            <a:endParaRPr lang="fr-FR" dirty="0"/>
           </a:p>
         </p:txBody>
       </p:sp>
@@ -2121,7 +2125,7 @@
               <a:rPr lang="fr-FR" smtClean="0"/>
               <a:t>‹N°›</a:t>
             </a:fld>
-            <a:endParaRPr lang="fr-FR"/>
+            <a:endParaRPr lang="fr-FR" dirty="0"/>
           </a:p>
         </p:txBody>
       </p:sp>
@@ -2378,7 +2382,7 @@
               <a:rPr lang="fr-FR" smtClean="0"/>
               <a:t>11/03/2022</a:t>
             </a:fld>
-            <a:endParaRPr lang="fr-FR"/>
+            <a:endParaRPr lang="fr-FR" dirty="0"/>
           </a:p>
         </p:txBody>
       </p:sp>
@@ -2403,7 +2407,7 @@
           <a:bodyPr/>
           <a:lstStyle/>
           <a:p>
-            <a:endParaRPr lang="fr-FR"/>
+            <a:endParaRPr lang="fr-FR" dirty="0"/>
           </a:p>
         </p:txBody>
       </p:sp>
@@ -2432,7 +2436,7 @@
               <a:rPr lang="fr-FR" smtClean="0"/>
               <a:t>‹N°›</a:t>
             </a:fld>
-            <a:endParaRPr lang="fr-FR"/>
+            <a:endParaRPr lang="fr-FR" dirty="0"/>
           </a:p>
         </p:txBody>
       </p:sp>
@@ -2566,7 +2570,7 @@
             </a:lvl9pPr>
           </a:lstStyle>
           <a:p>
-            <a:endParaRPr lang="fr-FR"/>
+            <a:endParaRPr lang="fr-FR" dirty="0"/>
           </a:p>
         </p:txBody>
       </p:sp>
@@ -2666,7 +2670,7 @@
               <a:rPr lang="fr-FR" smtClean="0"/>
               <a:t>11/03/2022</a:t>
             </a:fld>
-            <a:endParaRPr lang="fr-FR"/>
+            <a:endParaRPr lang="fr-FR" dirty="0"/>
           </a:p>
         </p:txBody>
       </p:sp>
@@ -2691,7 +2695,7 @@
           <a:bodyPr/>
           <a:lstStyle/>
           <a:p>
-            <a:endParaRPr lang="fr-FR"/>
+            <a:endParaRPr lang="fr-FR" dirty="0"/>
           </a:p>
         </p:txBody>
       </p:sp>
@@ -2720,7 +2724,7 @@
               <a:rPr lang="fr-FR" smtClean="0"/>
               <a:t>‹N°›</a:t>
             </a:fld>
-            <a:endParaRPr lang="fr-FR"/>
+            <a:endParaRPr lang="fr-FR" dirty="0"/>
           </a:p>
         </p:txBody>
       </p:sp>
@@ -2907,7 +2911,7 @@
               <a:rPr lang="fr-FR" smtClean="0"/>
               <a:t>11/03/2022</a:t>
             </a:fld>
-            <a:endParaRPr lang="fr-FR"/>
+            <a:endParaRPr lang="fr-FR" dirty="0"/>
           </a:p>
         </p:txBody>
       </p:sp>
@@ -2950,7 +2954,7 @@
             </a:lvl1pPr>
           </a:lstStyle>
           <a:p>
-            <a:endParaRPr lang="fr-FR"/>
+            <a:endParaRPr lang="fr-FR" dirty="0"/>
           </a:p>
         </p:txBody>
       </p:sp>
@@ -2997,7 +3001,7 @@
               <a:rPr lang="fr-FR" smtClean="0"/>
               <a:t>‹N°›</a:t>
             </a:fld>
-            <a:endParaRPr lang="fr-FR"/>
+            <a:endParaRPr lang="fr-FR" dirty="0"/>
           </a:p>
         </p:txBody>
       </p:sp>
@@ -3345,13 +3349,8 @@
           <a:p>
             <a:r>
               <a:rPr lang="fr-FR" dirty="0"/>
-              <a:t>Gestion d’accès au </a:t>
-            </a:r>
-            <a:r>
-              <a:rPr lang="fr-FR" dirty="0" err="1"/>
-              <a:t>batiment</a:t>
-            </a:r>
-            <a:endParaRPr lang="fr-FR" dirty="0"/>
+              <a:t>Gestion d’accès au bâtiment</a:t>
+            </a:r>
           </a:p>
         </p:txBody>
       </p:sp>
@@ -3378,23 +3377,7 @@
           <a:p>
             <a:r>
               <a:rPr lang="fr-FR" dirty="0"/>
-              <a:t>Participants : </a:t>
-            </a:r>
-            <a:r>
-              <a:rPr lang="fr-FR" dirty="0" err="1"/>
-              <a:t>Pascucci</a:t>
-            </a:r>
-            <a:r>
-              <a:rPr lang="fr-FR" dirty="0"/>
-              <a:t> Yannick, </a:t>
-            </a:r>
-            <a:r>
-              <a:rPr lang="fr-FR" dirty="0" err="1"/>
-              <a:t>Pillar</a:t>
-            </a:r>
-            <a:r>
-              <a:rPr lang="fr-FR" dirty="0"/>
-              <a:t> Ruby, Saxemard Alexandre</a:t>
+              <a:t>Participants : Pascucci Yannick, Pillar Ruby, Saxemard Alexandre</a:t>
             </a:r>
           </a:p>
         </p:txBody>
@@ -3513,7 +3496,7 @@
               <a:buAutoNum type="arabicPeriod"/>
             </a:pPr>
             <a:r>
-              <a:rPr lang="fr-FR"/>
+              <a:rPr lang="fr-FR" dirty="0"/>
               <a:t>Composants</a:t>
             </a:r>
           </a:p>
@@ -3523,6 +3506,460 @@
     <p:extLst>
       <p:ext uri="{BB962C8B-B14F-4D97-AF65-F5344CB8AC3E}">
         <p14:creationId xmlns:p14="http://schemas.microsoft.com/office/powerpoint/2010/main" val="3079756305"/>
+      </p:ext>
+    </p:extLst>
+  </p:cSld>
+  <p:clrMapOvr>
+    <a:masterClrMapping/>
+  </p:clrMapOvr>
+</p:sld>
+</file>
+
+<file path=ppt/slides/slide3.xml><?xml version="1.0" encoding="utf-8"?>
+<p:sld xmlns:a="http://schemas.openxmlformats.org/drawingml/2006/main" xmlns:r="http://schemas.openxmlformats.org/officeDocument/2006/relationships" xmlns:p="http://schemas.openxmlformats.org/presentationml/2006/main">
+  <p:cSld>
+    <p:spTree>
+      <p:nvGrpSpPr>
+        <p:cNvPr id="1" name=""/>
+        <p:cNvGrpSpPr/>
+        <p:nvPr/>
+      </p:nvGrpSpPr>
+      <p:grpSpPr>
+        <a:xfrm>
+          <a:off x="0" y="0"/>
+          <a:ext cx="0" cy="0"/>
+          <a:chOff x="0" y="0"/>
+          <a:chExt cx="0" cy="0"/>
+        </a:xfrm>
+      </p:grpSpPr>
+      <p:sp>
+        <p:nvSpPr>
+          <p:cNvPr id="2" name="Titre 1">
+            <a:extLst>
+              <a:ext uri="{FF2B5EF4-FFF2-40B4-BE49-F238E27FC236}">
+                <a16:creationId xmlns:a16="http://schemas.microsoft.com/office/drawing/2014/main" id="{937A40F7-4FCF-4403-A05F-11B77E4B60A8}"/>
+              </a:ext>
+            </a:extLst>
+          </p:cNvPr>
+          <p:cNvSpPr>
+            <a:spLocks noGrp="1"/>
+          </p:cNvSpPr>
+          <p:nvPr>
+            <p:ph type="title"/>
+          </p:nvPr>
+        </p:nvSpPr>
+        <p:spPr/>
+        <p:txBody>
+          <a:bodyPr/>
+          <a:lstStyle/>
+          <a:p>
+            <a:r>
+              <a:rPr lang="fr-FR" dirty="0"/>
+              <a:t>1. Objectifs</a:t>
+            </a:r>
+          </a:p>
+        </p:txBody>
+      </p:sp>
+      <p:sp>
+        <p:nvSpPr>
+          <p:cNvPr id="3" name="Espace réservé du contenu 2">
+            <a:extLst>
+              <a:ext uri="{FF2B5EF4-FFF2-40B4-BE49-F238E27FC236}">
+                <a16:creationId xmlns:a16="http://schemas.microsoft.com/office/drawing/2014/main" id="{6E647D4E-9D17-49DB-BF87-7C22F61ED380}"/>
+              </a:ext>
+            </a:extLst>
+          </p:cNvPr>
+          <p:cNvSpPr>
+            <a:spLocks noGrp="1"/>
+          </p:cNvSpPr>
+          <p:nvPr>
+            <p:ph idx="1"/>
+          </p:nvPr>
+        </p:nvSpPr>
+        <p:spPr/>
+        <p:txBody>
+          <a:bodyPr/>
+          <a:lstStyle/>
+          <a:p>
+            <a:pPr marL="0" indent="0" algn="just">
+              <a:buNone/>
+            </a:pPr>
+            <a:r>
+              <a:rPr lang="fr-FR" dirty="0">
+                <a:solidFill>
+                  <a:srgbClr val="000000"/>
+                </a:solidFill>
+                <a:latin typeface="Calibri" panose="020F0502020204030204" pitchFamily="34" charset="0"/>
+                <a:ea typeface="Calibri" panose="020F0502020204030204" pitchFamily="34" charset="0"/>
+              </a:rPr>
+              <a:t>L’objectif de ce projet est de </a:t>
+            </a:r>
+            <a:r>
+              <a:rPr lang="fr-FR" dirty="0">
+                <a:solidFill>
+                  <a:srgbClr val="000000"/>
+                </a:solidFill>
+                <a:effectLst/>
+                <a:latin typeface="Calibri" panose="020F0502020204030204" pitchFamily="34" charset="0"/>
+                <a:ea typeface="Calibri" panose="020F0502020204030204" pitchFamily="34" charset="0"/>
+              </a:rPr>
+              <a:t>s’assurer de l’identité des personnes présentes sur le site et d’utiliser des technologies RFID active ou Bluetooth Low Energy, pour faire du comptage et du contrôle d’accès à la volée, sans qu'aucune action ne soit requise. Les badges ou téléphones seront automatiquement détectés dans un périmètre. Le but est de gérer les autorisations d’accès, d'avoir un état d'occupation des lieux et d’alerter en cas de tentative d’intrusion.</a:t>
+            </a:r>
+            <a:endParaRPr lang="fr-FR" dirty="0">
+              <a:effectLst/>
+              <a:latin typeface="Calibri" panose="020F0502020204030204" pitchFamily="34" charset="0"/>
+              <a:ea typeface="Calibri" panose="020F0502020204030204" pitchFamily="34" charset="0"/>
+            </a:endParaRPr>
+          </a:p>
+          <a:p>
+            <a:endParaRPr lang="fr-FR" dirty="0"/>
+          </a:p>
+        </p:txBody>
+      </p:sp>
+    </p:spTree>
+    <p:extLst>
+      <p:ext uri="{BB962C8B-B14F-4D97-AF65-F5344CB8AC3E}">
+        <p14:creationId xmlns:p14="http://schemas.microsoft.com/office/powerpoint/2010/main" val="1282881764"/>
+      </p:ext>
+    </p:extLst>
+  </p:cSld>
+  <p:clrMapOvr>
+    <a:masterClrMapping/>
+  </p:clrMapOvr>
+</p:sld>
+</file>
+
+<file path=ppt/slides/slide4.xml><?xml version="1.0" encoding="utf-8"?>
+<p:sld xmlns:a="http://schemas.openxmlformats.org/drawingml/2006/main" xmlns:r="http://schemas.openxmlformats.org/officeDocument/2006/relationships" xmlns:p="http://schemas.openxmlformats.org/presentationml/2006/main">
+  <p:cSld>
+    <p:spTree>
+      <p:nvGrpSpPr>
+        <p:cNvPr id="1" name=""/>
+        <p:cNvGrpSpPr/>
+        <p:nvPr/>
+      </p:nvGrpSpPr>
+      <p:grpSpPr>
+        <a:xfrm>
+          <a:off x="0" y="0"/>
+          <a:ext cx="0" cy="0"/>
+          <a:chOff x="0" y="0"/>
+          <a:chExt cx="0" cy="0"/>
+        </a:xfrm>
+      </p:grpSpPr>
+      <p:sp>
+        <p:nvSpPr>
+          <p:cNvPr id="2" name="Titre 1">
+            <a:extLst>
+              <a:ext uri="{FF2B5EF4-FFF2-40B4-BE49-F238E27FC236}">
+                <a16:creationId xmlns:a16="http://schemas.microsoft.com/office/drawing/2014/main" id="{F4627FFC-3516-4148-BF47-0C3E894F01CA}"/>
+              </a:ext>
+            </a:extLst>
+          </p:cNvPr>
+          <p:cNvSpPr>
+            <a:spLocks noGrp="1"/>
+          </p:cNvSpPr>
+          <p:nvPr>
+            <p:ph type="title"/>
+          </p:nvPr>
+        </p:nvSpPr>
+        <p:spPr/>
+        <p:txBody>
+          <a:bodyPr/>
+          <a:lstStyle/>
+          <a:p>
+            <a:r>
+              <a:rPr lang="fr-FR" dirty="0"/>
+              <a:t>2. Fonctionnalités</a:t>
+            </a:r>
+          </a:p>
+        </p:txBody>
+      </p:sp>
+      <p:sp>
+        <p:nvSpPr>
+          <p:cNvPr id="3" name="Espace réservé du contenu 2">
+            <a:extLst>
+              <a:ext uri="{FF2B5EF4-FFF2-40B4-BE49-F238E27FC236}">
+                <a16:creationId xmlns:a16="http://schemas.microsoft.com/office/drawing/2014/main" id="{8234129B-F29A-491D-A93C-258A3EE773F9}"/>
+              </a:ext>
+            </a:extLst>
+          </p:cNvPr>
+          <p:cNvSpPr>
+            <a:spLocks noGrp="1"/>
+          </p:cNvSpPr>
+          <p:nvPr>
+            <p:ph idx="1"/>
+          </p:nvPr>
+        </p:nvSpPr>
+        <p:spPr/>
+        <p:txBody>
+          <a:bodyPr/>
+          <a:lstStyle/>
+          <a:p>
+            <a:r>
+              <a:rPr lang="fr-FR" dirty="0"/>
+              <a:t>On utilisera une serrure connectée qui servira à contrôler l’accès des employés de la banque.</a:t>
+            </a:r>
+          </a:p>
+          <a:p>
+            <a:r>
+              <a:rPr lang="fr-FR" dirty="0"/>
+              <a:t>Une caméra M5 sera utilisée pour de la reconnaissance faciale lorsqu’un employé viendra rentrer son code sur la serrure. (IOT)</a:t>
+            </a:r>
+          </a:p>
+          <a:p>
+            <a:r>
+              <a:rPr lang="fr-FR" dirty="0"/>
+              <a:t>Alerte sonore lorsqu’une intrusion est détectée.</a:t>
+            </a:r>
+          </a:p>
+          <a:p>
+            <a:r>
+              <a:rPr lang="fr-FR" dirty="0"/>
+              <a:t>Attribution d’un code d’accès à chaque employé via l’application </a:t>
+            </a:r>
+            <a:r>
+              <a:rPr lang="fr-FR" dirty="0" err="1"/>
+              <a:t>TheKeys</a:t>
+            </a:r>
+            <a:r>
+              <a:rPr lang="fr-FR" dirty="0"/>
+              <a:t>.</a:t>
+            </a:r>
+          </a:p>
+          <a:p>
+            <a:endParaRPr lang="fr-FR" dirty="0"/>
+          </a:p>
+          <a:p>
+            <a:endParaRPr lang="fr-FR" dirty="0"/>
+          </a:p>
+        </p:txBody>
+      </p:sp>
+    </p:spTree>
+    <p:extLst>
+      <p:ext uri="{BB962C8B-B14F-4D97-AF65-F5344CB8AC3E}">
+        <p14:creationId xmlns:p14="http://schemas.microsoft.com/office/powerpoint/2010/main" val="3858082705"/>
+      </p:ext>
+    </p:extLst>
+  </p:cSld>
+  <p:clrMapOvr>
+    <a:masterClrMapping/>
+  </p:clrMapOvr>
+</p:sld>
+</file>
+
+<file path=ppt/slides/slide5.xml><?xml version="1.0" encoding="utf-8"?>
+<p:sld xmlns:a="http://schemas.openxmlformats.org/drawingml/2006/main" xmlns:r="http://schemas.openxmlformats.org/officeDocument/2006/relationships" xmlns:p="http://schemas.openxmlformats.org/presentationml/2006/main">
+  <p:cSld>
+    <p:spTree>
+      <p:nvGrpSpPr>
+        <p:cNvPr id="1" name=""/>
+        <p:cNvGrpSpPr/>
+        <p:nvPr/>
+      </p:nvGrpSpPr>
+      <p:grpSpPr>
+        <a:xfrm>
+          <a:off x="0" y="0"/>
+          <a:ext cx="0" cy="0"/>
+          <a:chOff x="0" y="0"/>
+          <a:chExt cx="0" cy="0"/>
+        </a:xfrm>
+      </p:grpSpPr>
+      <p:sp>
+        <p:nvSpPr>
+          <p:cNvPr id="2" name="Titre 1">
+            <a:extLst>
+              <a:ext uri="{FF2B5EF4-FFF2-40B4-BE49-F238E27FC236}">
+                <a16:creationId xmlns:a16="http://schemas.microsoft.com/office/drawing/2014/main" id="{E4870253-ED3D-4C3E-A85D-3F66DFB2F160}"/>
+              </a:ext>
+            </a:extLst>
+          </p:cNvPr>
+          <p:cNvSpPr>
+            <a:spLocks noGrp="1"/>
+          </p:cNvSpPr>
+          <p:nvPr>
+            <p:ph type="title"/>
+          </p:nvPr>
+        </p:nvSpPr>
+        <p:spPr/>
+        <p:txBody>
+          <a:bodyPr/>
+          <a:lstStyle/>
+          <a:p>
+            <a:r>
+              <a:rPr lang="fr-FR" dirty="0"/>
+              <a:t>3. Architectures - Interactions</a:t>
+            </a:r>
+          </a:p>
+        </p:txBody>
+      </p:sp>
+      <p:sp>
+        <p:nvSpPr>
+          <p:cNvPr id="3" name="Espace réservé du contenu 2">
+            <a:extLst>
+              <a:ext uri="{FF2B5EF4-FFF2-40B4-BE49-F238E27FC236}">
+                <a16:creationId xmlns:a16="http://schemas.microsoft.com/office/drawing/2014/main" id="{3028DF71-D195-4AA0-917A-4C08C2346D03}"/>
+              </a:ext>
+            </a:extLst>
+          </p:cNvPr>
+          <p:cNvSpPr>
+            <a:spLocks noGrp="1"/>
+          </p:cNvSpPr>
+          <p:nvPr>
+            <p:ph idx="1"/>
+          </p:nvPr>
+        </p:nvSpPr>
+        <p:spPr/>
+        <p:txBody>
+          <a:bodyPr/>
+          <a:lstStyle/>
+          <a:p>
+            <a:endParaRPr lang="fr-FR" dirty="0"/>
+          </a:p>
+        </p:txBody>
+      </p:sp>
+    </p:spTree>
+    <p:extLst>
+      <p:ext uri="{BB962C8B-B14F-4D97-AF65-F5344CB8AC3E}">
+        <p14:creationId xmlns:p14="http://schemas.microsoft.com/office/powerpoint/2010/main" val="2480473504"/>
+      </p:ext>
+    </p:extLst>
+  </p:cSld>
+  <p:clrMapOvr>
+    <a:masterClrMapping/>
+  </p:clrMapOvr>
+</p:sld>
+</file>
+
+<file path=ppt/slides/slide6.xml><?xml version="1.0" encoding="utf-8"?>
+<p:sld xmlns:a="http://schemas.openxmlformats.org/drawingml/2006/main" xmlns:r="http://schemas.openxmlformats.org/officeDocument/2006/relationships" xmlns:p="http://schemas.openxmlformats.org/presentationml/2006/main">
+  <p:cSld>
+    <p:spTree>
+      <p:nvGrpSpPr>
+        <p:cNvPr id="1" name=""/>
+        <p:cNvGrpSpPr/>
+        <p:nvPr/>
+      </p:nvGrpSpPr>
+      <p:grpSpPr>
+        <a:xfrm>
+          <a:off x="0" y="0"/>
+          <a:ext cx="0" cy="0"/>
+          <a:chOff x="0" y="0"/>
+          <a:chExt cx="0" cy="0"/>
+        </a:xfrm>
+      </p:grpSpPr>
+      <p:sp>
+        <p:nvSpPr>
+          <p:cNvPr id="2" name="Titre 1">
+            <a:extLst>
+              <a:ext uri="{FF2B5EF4-FFF2-40B4-BE49-F238E27FC236}">
+                <a16:creationId xmlns:a16="http://schemas.microsoft.com/office/drawing/2014/main" id="{16BC75A8-C36E-43AD-BBF2-36EEA628C9D3}"/>
+              </a:ext>
+            </a:extLst>
+          </p:cNvPr>
+          <p:cNvSpPr>
+            <a:spLocks noGrp="1"/>
+          </p:cNvSpPr>
+          <p:nvPr>
+            <p:ph type="title"/>
+          </p:nvPr>
+        </p:nvSpPr>
+        <p:spPr/>
+        <p:txBody>
+          <a:bodyPr/>
+          <a:lstStyle/>
+          <a:p>
+            <a:r>
+              <a:rPr lang="fr-FR" dirty="0"/>
+              <a:t>4. Composants/Matériels</a:t>
+            </a:r>
+          </a:p>
+        </p:txBody>
+      </p:sp>
+      <p:sp>
+        <p:nvSpPr>
+          <p:cNvPr id="3" name="Espace réservé du contenu 2">
+            <a:extLst>
+              <a:ext uri="{FF2B5EF4-FFF2-40B4-BE49-F238E27FC236}">
+                <a16:creationId xmlns:a16="http://schemas.microsoft.com/office/drawing/2014/main" id="{42BF6D50-EDA4-4422-BE4D-8A56CBF58142}"/>
+              </a:ext>
+            </a:extLst>
+          </p:cNvPr>
+          <p:cNvSpPr>
+            <a:spLocks noGrp="1"/>
+          </p:cNvSpPr>
+          <p:nvPr>
+            <p:ph idx="1"/>
+          </p:nvPr>
+        </p:nvSpPr>
+        <p:spPr/>
+        <p:txBody>
+          <a:bodyPr>
+            <a:normAutofit fontScale="92500" lnSpcReduction="10000"/>
+          </a:bodyPr>
+          <a:lstStyle/>
+          <a:p>
+            <a:r>
+              <a:rPr lang="fr-FR" dirty="0"/>
+              <a:t>TV pour l’affichage potentiel des images de vidéosurveillance, et le nombre de personne présente dans la banque.</a:t>
+            </a:r>
+          </a:p>
+          <a:p>
+            <a:r>
+              <a:rPr lang="fr-FR" dirty="0"/>
+              <a:t>Carte RFID pour pouvoir accéder à la banque</a:t>
+            </a:r>
+          </a:p>
+          <a:p>
+            <a:r>
+              <a:rPr lang="fr-FR" dirty="0"/>
+              <a:t>Téléphone pour déverrouiller la serrure à distance</a:t>
+            </a:r>
+          </a:p>
+          <a:p>
+            <a:r>
+              <a:rPr lang="fr-FR" dirty="0"/>
+              <a:t>Serrure connectée </a:t>
+            </a:r>
+          </a:p>
+          <a:p>
+            <a:r>
+              <a:rPr lang="fr-FR" dirty="0"/>
+              <a:t>RPI</a:t>
+            </a:r>
+          </a:p>
+          <a:p>
+            <a:r>
+              <a:rPr lang="fr-FR" dirty="0"/>
+              <a:t>Lecteur RFID</a:t>
+            </a:r>
+          </a:p>
+          <a:p>
+            <a:r>
+              <a:rPr lang="fr-FR" dirty="0"/>
+              <a:t>Caméra de vidéosurveillance (reconnaissance faciale)</a:t>
+            </a:r>
+          </a:p>
+          <a:p>
+            <a:r>
+              <a:rPr lang="fr-FR" dirty="0"/>
+              <a:t>Capteur de son</a:t>
+            </a:r>
+          </a:p>
+          <a:p>
+            <a:r>
+              <a:rPr lang="fr-FR" dirty="0"/>
+              <a:t>Capteur de présence</a:t>
+            </a:r>
+          </a:p>
+          <a:p>
+            <a:endParaRPr lang="fr-FR" dirty="0"/>
+          </a:p>
+        </p:txBody>
+      </p:sp>
+    </p:spTree>
+    <p:extLst>
+      <p:ext uri="{BB962C8B-B14F-4D97-AF65-F5344CB8AC3E}">
+        <p14:creationId xmlns:p14="http://schemas.microsoft.com/office/powerpoint/2010/main" val="999924172"/>
       </p:ext>
     </p:extLst>
   </p:cSld>

--- a/Gestion d’accès au batiment.pptx
+++ b/Gestion d’accès au batiment.pptx
@@ -11,6 +11,8 @@
     <p:sldId id="259" r:id="rId5"/>
     <p:sldId id="260" r:id="rId6"/>
     <p:sldId id="261" r:id="rId7"/>
+    <p:sldId id="262" r:id="rId8"/>
+    <p:sldId id="263" r:id="rId9"/>
   </p:sldIdLst>
   <p:sldSz cx="12192000" cy="6858000"/>
   <p:notesSz cx="6858000" cy="9144000"/>
@@ -109,6 +111,11 @@
       </a:defRPr>
     </a:lvl9pPr>
   </p:defaultTextStyle>
+  <p:extLst>
+    <p:ext uri="{EFAFB233-063F-42B5-8137-9DF3F51BA10A}">
+      <p15:sldGuideLst xmlns:p15="http://schemas.microsoft.com/office/powerpoint/2012/main"/>
+    </p:ext>
+  </p:extLst>
 </p:presentation>
 </file>
 
@@ -259,7 +266,7 @@
           <a:p>
             <a:fld id="{BB64556E-C8B3-4C61-A27B-B43C11DE54C9}" type="datetimeFigureOut">
               <a:rPr lang="fr-FR" smtClean="0"/>
-              <a:t>11/03/2022</a:t>
+              <a:t>18/03/2022</a:t>
             </a:fld>
             <a:endParaRPr lang="fr-FR" dirty="0"/>
           </a:p>
@@ -457,7 +464,7 @@
           <a:p>
             <a:fld id="{BB64556E-C8B3-4C61-A27B-B43C11DE54C9}" type="datetimeFigureOut">
               <a:rPr lang="fr-FR" smtClean="0"/>
-              <a:t>11/03/2022</a:t>
+              <a:t>18/03/2022</a:t>
             </a:fld>
             <a:endParaRPr lang="fr-FR" dirty="0"/>
           </a:p>
@@ -665,7 +672,7 @@
           <a:p>
             <a:fld id="{BB64556E-C8B3-4C61-A27B-B43C11DE54C9}" type="datetimeFigureOut">
               <a:rPr lang="fr-FR" smtClean="0"/>
-              <a:t>11/03/2022</a:t>
+              <a:t>18/03/2022</a:t>
             </a:fld>
             <a:endParaRPr lang="fr-FR" dirty="0"/>
           </a:p>
@@ -863,7 +870,7 @@
           <a:p>
             <a:fld id="{BB64556E-C8B3-4C61-A27B-B43C11DE54C9}" type="datetimeFigureOut">
               <a:rPr lang="fr-FR" smtClean="0"/>
-              <a:t>11/03/2022</a:t>
+              <a:t>18/03/2022</a:t>
             </a:fld>
             <a:endParaRPr lang="fr-FR" dirty="0"/>
           </a:p>
@@ -1138,7 +1145,7 @@
           <a:p>
             <a:fld id="{BB64556E-C8B3-4C61-A27B-B43C11DE54C9}" type="datetimeFigureOut">
               <a:rPr lang="fr-FR" smtClean="0"/>
-              <a:t>11/03/2022</a:t>
+              <a:t>18/03/2022</a:t>
             </a:fld>
             <a:endParaRPr lang="fr-FR" dirty="0"/>
           </a:p>
@@ -1403,7 +1410,7 @@
           <a:p>
             <a:fld id="{BB64556E-C8B3-4C61-A27B-B43C11DE54C9}" type="datetimeFigureOut">
               <a:rPr lang="fr-FR" smtClean="0"/>
-              <a:t>11/03/2022</a:t>
+              <a:t>18/03/2022</a:t>
             </a:fld>
             <a:endParaRPr lang="fr-FR" dirty="0"/>
           </a:p>
@@ -1815,7 +1822,7 @@
           <a:p>
             <a:fld id="{BB64556E-C8B3-4C61-A27B-B43C11DE54C9}" type="datetimeFigureOut">
               <a:rPr lang="fr-FR" smtClean="0"/>
-              <a:t>11/03/2022</a:t>
+              <a:t>18/03/2022</a:t>
             </a:fld>
             <a:endParaRPr lang="fr-FR" dirty="0"/>
           </a:p>
@@ -1956,7 +1963,7 @@
           <a:p>
             <a:fld id="{BB64556E-C8B3-4C61-A27B-B43C11DE54C9}" type="datetimeFigureOut">
               <a:rPr lang="fr-FR" smtClean="0"/>
-              <a:t>11/03/2022</a:t>
+              <a:t>18/03/2022</a:t>
             </a:fld>
             <a:endParaRPr lang="fr-FR" dirty="0"/>
           </a:p>
@@ -2069,7 +2076,7 @@
           <a:p>
             <a:fld id="{BB64556E-C8B3-4C61-A27B-B43C11DE54C9}" type="datetimeFigureOut">
               <a:rPr lang="fr-FR" smtClean="0"/>
-              <a:t>11/03/2022</a:t>
+              <a:t>18/03/2022</a:t>
             </a:fld>
             <a:endParaRPr lang="fr-FR" dirty="0"/>
           </a:p>
@@ -2380,7 +2387,7 @@
           <a:p>
             <a:fld id="{BB64556E-C8B3-4C61-A27B-B43C11DE54C9}" type="datetimeFigureOut">
               <a:rPr lang="fr-FR" smtClean="0"/>
-              <a:t>11/03/2022</a:t>
+              <a:t>18/03/2022</a:t>
             </a:fld>
             <a:endParaRPr lang="fr-FR" dirty="0"/>
           </a:p>
@@ -2668,7 +2675,7 @@
           <a:p>
             <a:fld id="{BB64556E-C8B3-4C61-A27B-B43C11DE54C9}" type="datetimeFigureOut">
               <a:rPr lang="fr-FR" smtClean="0"/>
-              <a:t>11/03/2022</a:t>
+              <a:t>18/03/2022</a:t>
             </a:fld>
             <a:endParaRPr lang="fr-FR" dirty="0"/>
           </a:p>
@@ -2909,7 +2916,7 @@
           <a:p>
             <a:fld id="{BB64556E-C8B3-4C61-A27B-B43C11DE54C9}" type="datetimeFigureOut">
               <a:rPr lang="fr-FR" smtClean="0"/>
-              <a:t>11/03/2022</a:t>
+              <a:t>18/03/2022</a:t>
             </a:fld>
             <a:endParaRPr lang="fr-FR" dirty="0"/>
           </a:p>
@@ -3496,9 +3503,20 @@
               <a:buAutoNum type="arabicPeriod"/>
             </a:pPr>
             <a:r>
-              <a:rPr lang="fr-FR" dirty="0"/>
+              <a:rPr lang="fr-FR" dirty="0" smtClean="0"/>
               <a:t>Composants</a:t>
             </a:r>
+          </a:p>
+          <a:p>
+            <a:pPr marL="514350" indent="-514350">
+              <a:buFont typeface="+mj-lt"/>
+              <a:buAutoNum type="arabicPeriod"/>
+            </a:pPr>
+            <a:r>
+              <a:rPr lang="fr-FR" dirty="0" smtClean="0"/>
+              <a:t>Répartition des tâches</a:t>
+            </a:r>
+            <a:endParaRPr lang="fr-FR" dirty="0"/>
           </a:p>
         </p:txBody>
       </p:sp>
@@ -3900,8 +3918,13 @@
           <a:p>
             <a:r>
               <a:rPr lang="fr-FR" dirty="0"/>
-              <a:t>TV pour l’affichage potentiel des images de vidéosurveillance, et le nombre de personne présente dans la banque.</a:t>
-            </a:r>
+              <a:t>TV pour l’affichage potentiel des images de vidéosurveillance, et le nombre de personne présente dans </a:t>
+            </a:r>
+            <a:r>
+              <a:rPr lang="fr-FR" dirty="0" smtClean="0"/>
+              <a:t>le bâtiment.</a:t>
+            </a:r>
+            <a:endParaRPr lang="fr-FR" dirty="0"/>
           </a:p>
           <a:p>
             <a:r>
@@ -3929,9 +3952,10 @@
           </a:p>
           <a:p>
             <a:r>
-              <a:rPr lang="fr-FR" dirty="0"/>
-              <a:t>Lecteur RFID</a:t>
-            </a:r>
+              <a:rPr lang="fr-FR" dirty="0" smtClean="0"/>
+              <a:t>M5Stack</a:t>
+            </a:r>
+            <a:endParaRPr lang="fr-FR" dirty="0"/>
           </a:p>
           <a:p>
             <a:r>
@@ -3960,6 +3984,192 @@
     <p:extLst>
       <p:ext uri="{BB962C8B-B14F-4D97-AF65-F5344CB8AC3E}">
         <p14:creationId xmlns:p14="http://schemas.microsoft.com/office/powerpoint/2010/main" val="999924172"/>
+      </p:ext>
+    </p:extLst>
+  </p:cSld>
+  <p:clrMapOvr>
+    <a:masterClrMapping/>
+  </p:clrMapOvr>
+</p:sld>
+</file>
+
+<file path=ppt/slides/slide7.xml><?xml version="1.0" encoding="utf-8"?>
+<p:sld xmlns:a="http://schemas.openxmlformats.org/drawingml/2006/main" xmlns:r="http://schemas.openxmlformats.org/officeDocument/2006/relationships" xmlns:p="http://schemas.openxmlformats.org/presentationml/2006/main">
+  <p:cSld>
+    <p:spTree>
+      <p:nvGrpSpPr>
+        <p:cNvPr id="1" name=""/>
+        <p:cNvGrpSpPr/>
+        <p:nvPr/>
+      </p:nvGrpSpPr>
+      <p:grpSpPr>
+        <a:xfrm>
+          <a:off x="0" y="0"/>
+          <a:ext cx="0" cy="0"/>
+          <a:chOff x="0" y="0"/>
+          <a:chExt cx="0" cy="0"/>
+        </a:xfrm>
+      </p:grpSpPr>
+      <p:sp>
+        <p:nvSpPr>
+          <p:cNvPr id="2" name="Titre 1"/>
+          <p:cNvSpPr>
+            <a:spLocks noGrp="1"/>
+          </p:cNvSpPr>
+          <p:nvPr>
+            <p:ph type="title"/>
+          </p:nvPr>
+        </p:nvSpPr>
+        <p:spPr/>
+        <p:txBody>
+          <a:bodyPr/>
+          <a:lstStyle/>
+          <a:p>
+            <a:r>
+              <a:rPr lang="fr-FR" dirty="0" smtClean="0"/>
+              <a:t>5. Répartition des tâches</a:t>
+            </a:r>
+            <a:endParaRPr lang="fr-FR" dirty="0"/>
+          </a:p>
+        </p:txBody>
+      </p:sp>
+      <p:sp>
+        <p:nvSpPr>
+          <p:cNvPr id="3" name="Espace réservé du contenu 2"/>
+          <p:cNvSpPr>
+            <a:spLocks noGrp="1"/>
+          </p:cNvSpPr>
+          <p:nvPr>
+            <p:ph idx="1"/>
+          </p:nvPr>
+        </p:nvSpPr>
+        <p:spPr/>
+        <p:txBody>
+          <a:bodyPr/>
+          <a:lstStyle/>
+          <a:p>
+            <a:r>
+              <a:rPr lang="fr-FR" dirty="0" smtClean="0"/>
+              <a:t>Saxemard:</a:t>
+            </a:r>
+            <a:r>
+              <a:rPr lang="fr-FR" dirty="0"/>
+              <a:t> </a:t>
+            </a:r>
+            <a:r>
+              <a:rPr lang="fr-FR" dirty="0" smtClean="0"/>
+              <a:t>Mise en place d’un système de création de créneau sur un agenda Google, service qui va avec, mise en place de la connexion au broker MQTT pour l’envoi des données (Code, id…)</a:t>
+            </a:r>
+          </a:p>
+          <a:p>
+            <a:r>
+              <a:rPr lang="fr-FR" dirty="0" err="1" smtClean="0"/>
+              <a:t>Pillar</a:t>
+            </a:r>
+            <a:r>
+              <a:rPr lang="fr-FR" dirty="0" smtClean="0"/>
+              <a:t> : </a:t>
+            </a:r>
+            <a:r>
+              <a:rPr lang="fr-FR" dirty="0" err="1" smtClean="0"/>
+              <a:t>NodeRed</a:t>
+            </a:r>
+            <a:r>
+              <a:rPr lang="fr-FR" dirty="0" smtClean="0"/>
+              <a:t> </a:t>
+            </a:r>
+          </a:p>
+          <a:p>
+            <a:r>
+              <a:rPr lang="fr-FR" dirty="0" err="1" smtClean="0"/>
+              <a:t>Pascucci</a:t>
+            </a:r>
+            <a:r>
+              <a:rPr lang="fr-FR" dirty="0" smtClean="0"/>
+              <a:t> : Mise en place de la base de données pour recueillir les informations provenant du M5Stack</a:t>
+            </a:r>
+          </a:p>
+        </p:txBody>
+      </p:sp>
+    </p:spTree>
+    <p:extLst>
+      <p:ext uri="{BB962C8B-B14F-4D97-AF65-F5344CB8AC3E}">
+        <p14:creationId xmlns:p14="http://schemas.microsoft.com/office/powerpoint/2010/main" val="1634119338"/>
+      </p:ext>
+    </p:extLst>
+  </p:cSld>
+  <p:clrMapOvr>
+    <a:masterClrMapping/>
+  </p:clrMapOvr>
+</p:sld>
+</file>
+
+<file path=ppt/slides/slide8.xml><?xml version="1.0" encoding="utf-8"?>
+<p:sld xmlns:a="http://schemas.openxmlformats.org/drawingml/2006/main" xmlns:r="http://schemas.openxmlformats.org/officeDocument/2006/relationships" xmlns:p="http://schemas.openxmlformats.org/presentationml/2006/main">
+  <p:cSld>
+    <p:spTree>
+      <p:nvGrpSpPr>
+        <p:cNvPr id="1" name=""/>
+        <p:cNvGrpSpPr/>
+        <p:nvPr/>
+      </p:nvGrpSpPr>
+      <p:grpSpPr>
+        <a:xfrm>
+          <a:off x="0" y="0"/>
+          <a:ext cx="0" cy="0"/>
+          <a:chOff x="0" y="0"/>
+          <a:chExt cx="0" cy="0"/>
+        </a:xfrm>
+      </p:grpSpPr>
+      <p:sp>
+        <p:nvSpPr>
+          <p:cNvPr id="2" name="Titre 1"/>
+          <p:cNvSpPr>
+            <a:spLocks noGrp="1"/>
+          </p:cNvSpPr>
+          <p:nvPr>
+            <p:ph type="title"/>
+          </p:nvPr>
+        </p:nvSpPr>
+        <p:spPr/>
+        <p:txBody>
+          <a:bodyPr/>
+          <a:lstStyle/>
+          <a:p>
+            <a:r>
+              <a:rPr lang="fr-FR" dirty="0" smtClean="0"/>
+              <a:t>6. Tâches réalisés</a:t>
+            </a:r>
+            <a:endParaRPr lang="fr-FR" dirty="0"/>
+          </a:p>
+        </p:txBody>
+      </p:sp>
+      <p:sp>
+        <p:nvSpPr>
+          <p:cNvPr id="3" name="Espace réservé du contenu 2"/>
+          <p:cNvSpPr>
+            <a:spLocks noGrp="1"/>
+          </p:cNvSpPr>
+          <p:nvPr>
+            <p:ph idx="1"/>
+          </p:nvPr>
+        </p:nvSpPr>
+        <p:spPr/>
+        <p:txBody>
+          <a:bodyPr/>
+          <a:lstStyle/>
+          <a:p>
+            <a:r>
+              <a:rPr lang="fr-FR" dirty="0" smtClean="0"/>
+              <a:t>Saxemard : Dessin de l’architecture et répartition des tâches</a:t>
+            </a:r>
+          </a:p>
+        </p:txBody>
+      </p:sp>
+    </p:spTree>
+    <p:extLst>
+      <p:ext uri="{BB962C8B-B14F-4D97-AF65-F5344CB8AC3E}">
+        <p14:creationId xmlns:p14="http://schemas.microsoft.com/office/powerpoint/2010/main" val="1847932958"/>
       </p:ext>
     </p:extLst>
   </p:cSld>
